--- a/ExoLexis_Presentation.pptx
+++ b/ExoLexis_Presentation.pptx
@@ -3101,42 +3101,76 @@
             <a:spLocks noGrp="1"/>
           </p:cNvSpPr>
           <p:nvPr>
-            <p:ph type="ctrTitle"/>
-          </p:nvPr>
-        </p:nvSpPr>
-        <p:spPr/>
-        <p:txBody>
-          <a:bodyPr/>
-          <a:lstStyle/>
-          <a:p>
-            <a:r>
-              <a:t>ExoLexis – Space Science Insights Engine</a:t>
-            </a:r>
-          </a:p>
-        </p:txBody>
-      </p:sp>
-      <p:sp>
-        <p:nvSpPr>
-          <p:cNvPr id="3" name="Subtitle 2"/>
-          <p:cNvSpPr>
-            <a:spLocks noGrp="1"/>
-          </p:cNvSpPr>
-          <p:nvPr>
-            <p:ph type="subTitle" idx="1"/>
-          </p:nvPr>
-        </p:nvSpPr>
-        <p:spPr/>
-        <p:txBody>
-          <a:bodyPr/>
-          <a:lstStyle/>
-          <a:p>
-            <a:r>
-              <a:t>NASA Space Apps Challenge 2025</a:t>
-            </a:r>
-          </a:p>
-          <a:p>
-            <a:r>
-              <a:t>Team: Your Team Name</a:t>
+            <p:ph type="title"/>
+          </p:nvPr>
+        </p:nvSpPr>
+        <p:spPr/>
+        <p:txBody>
+          <a:bodyPr/>
+          <a:lstStyle/>
+          <a:p>
+            <a:r>
+              <a:t>ExoLexis – AI-Powered Scientific Publication Explorer</a:t>
+            </a:r>
+          </a:p>
+        </p:txBody>
+      </p:sp>
+      <p:sp>
+        <p:nvSpPr>
+          <p:cNvPr id="3" name="TextBox 2"/>
+          <p:cNvSpPr txBox="1"/>
+          <p:nvPr/>
+        </p:nvSpPr>
+        <p:spPr>
+          <a:xfrm>
+            <a:off x="457200" y="1371600"/>
+            <a:ext cx="8229600" cy="4114800"/>
+          </a:xfrm>
+          <a:prstGeom prst="rect">
+            <a:avLst/>
+          </a:prstGeom>
+          <a:noFill/>
+        </p:spPr>
+        <p:txBody>
+          <a:bodyPr wrap="square">
+            <a:spAutoFit/>
+          </a:bodyPr>
+          <a:lstStyle/>
+          <a:p/>
+          <a:p>
+            <a:pPr>
+              <a:defRPr sz="1800"/>
+            </a:pPr>
+            <a:r>
+              <a:t>Transforming raw research into actionable insights</a:t>
+            </a:r>
+          </a:p>
+        </p:txBody>
+      </p:sp>
+      <p:sp>
+        <p:nvSpPr>
+          <p:cNvPr id="4" name="TextBox 3"/>
+          <p:cNvSpPr txBox="1"/>
+          <p:nvPr/>
+        </p:nvSpPr>
+        <p:spPr>
+          <a:xfrm>
+            <a:off x="2743200" y="5303520"/>
+            <a:ext cx="3657600" cy="1828800"/>
+          </a:xfrm>
+          <a:prstGeom prst="rect">
+            <a:avLst/>
+          </a:prstGeom>
+          <a:noFill/>
+        </p:spPr>
+        <p:txBody>
+          <a:bodyPr wrap="none">
+            <a:spAutoFit/>
+          </a:bodyPr>
+          <a:lstStyle/>
+          <a:p>
+            <a:r>
+              <a:t>[Logo/Cover Image placeholder]</a:t>
             </a:r>
           </a:p>
         </p:txBody>
@@ -3175,7 +3209,7 @@
           <a:lstStyle/>
           <a:p>
             <a:r>
-              <a:t>Challenge &amp; Motivation</a:t>
+              <a:t>Challenge</a:t>
             </a:r>
           </a:p>
         </p:txBody>
@@ -3189,7 +3223,7 @@
         <p:spPr>
           <a:xfrm>
             <a:off x="457200" y="1371600"/>
-            <a:ext cx="8229600" cy="4572000"/>
+            <a:ext cx="8229600" cy="4114800"/>
           </a:xfrm>
           <a:prstGeom prst="rect">
             <a:avLst/>
@@ -3203,23 +3237,47 @@
           <a:lstStyle/>
           <a:p/>
           <a:p>
-            <a:pPr algn="l">
-              <a:defRPr sz="1800">
-                <a:solidFill>
-                  <a:srgbClr val="FFFFFF"/>
-                </a:solidFill>
-              </a:defRPr>
+            <a:pPr>
+              <a:defRPr sz="1800"/>
             </a:pPr>
             <a:r>
-              <a:t>• Vast number of scientific publications makes it hard to extract insights.</a:t>
+              <a:t>• Scientific publications are vast and complex.</a:t>
             </a:r>
             <a:br/>
             <a:r>
-              <a:t>• Manual classification and search are slow.</a:t>
+              <a:t>• Manually extracting insights is time-consuming.</a:t>
             </a:r>
             <a:br/>
             <a:r>
-              <a:t>• Understanding space biology experiments (e.g., mouse studies) is critical.</a:t>
+              <a:t>• Space biology and mission-related research often remain fragmented.</a:t>
+            </a:r>
+          </a:p>
+        </p:txBody>
+      </p:sp>
+      <p:sp>
+        <p:nvSpPr>
+          <p:cNvPr id="4" name="TextBox 3"/>
+          <p:cNvSpPr txBox="1"/>
+          <p:nvPr/>
+        </p:nvSpPr>
+        <p:spPr>
+          <a:xfrm>
+            <a:off x="2743200" y="5303520"/>
+            <a:ext cx="3657600" cy="1828800"/>
+          </a:xfrm>
+          <a:prstGeom prst="rect">
+            <a:avLst/>
+          </a:prstGeom>
+          <a:noFill/>
+        </p:spPr>
+        <p:txBody>
+          <a:bodyPr wrap="none">
+            <a:spAutoFit/>
+          </a:bodyPr>
+          <a:lstStyle/>
+          <a:p>
+            <a:r>
+              <a:t>[Research/Space Image placeholder]</a:t>
             </a:r>
           </a:p>
         </p:txBody>
@@ -3258,7 +3316,7 @@
           <a:lstStyle/>
           <a:p>
             <a:r>
-              <a:t>What is ExoLexis?</a:t>
+              <a:t>Our Solution</a:t>
             </a:r>
           </a:p>
         </p:txBody>
@@ -3272,7 +3330,7 @@
         <p:spPr>
           <a:xfrm>
             <a:off x="457200" y="1371600"/>
-            <a:ext cx="8229600" cy="4572000"/>
+            <a:ext cx="8229600" cy="4114800"/>
           </a:xfrm>
           <a:prstGeom prst="rect">
             <a:avLst/>
@@ -3286,23 +3344,47 @@
           <a:lstStyle/>
           <a:p/>
           <a:p>
-            <a:pPr algn="l">
-              <a:defRPr sz="1800">
-                <a:solidFill>
-                  <a:srgbClr val="FFFFFF"/>
-                </a:solidFill>
-              </a:defRPr>
+            <a:pPr>
+              <a:defRPr sz="1800"/>
             </a:pPr>
             <a:r>
-              <a:t>• AI-powered platform that classifies and tags scientific publications.</a:t>
+              <a:t>• ExoLexis automatically fetches and categorizes scientific publications.</a:t>
             </a:r>
             <a:br/>
             <a:r>
-              <a:t>• Supports filtering by categories, tags, and abstracts.</a:t>
+              <a:t>• Uses AI to extract abstracts, classify topics, and suggest tags.</a:t>
             </a:r>
             <a:br/>
             <a:r>
-              <a:t>• Highlights key findings for scientists and mission planners.</a:t>
+              <a:t>• Allows fast search and filtering by keywords, category, and tags.</a:t>
+            </a:r>
+          </a:p>
+        </p:txBody>
+      </p:sp>
+      <p:sp>
+        <p:nvSpPr>
+          <p:cNvPr id="4" name="TextBox 3"/>
+          <p:cNvSpPr txBox="1"/>
+          <p:nvPr/>
+        </p:nvSpPr>
+        <p:spPr>
+          <a:xfrm>
+            <a:off x="2743200" y="5303520"/>
+            <a:ext cx="3657600" cy="1828800"/>
+          </a:xfrm>
+          <a:prstGeom prst="rect">
+            <a:avLst/>
+          </a:prstGeom>
+          <a:noFill/>
+        </p:spPr>
+        <p:txBody>
+          <a:bodyPr wrap="none">
+            <a:spAutoFit/>
+          </a:bodyPr>
+          <a:lstStyle/>
+          <a:p>
+            <a:r>
+              <a:t>[App Mockup placeholder]</a:t>
             </a:r>
           </a:p>
         </p:txBody>
@@ -3341,7 +3423,7 @@
           <a:lstStyle/>
           <a:p>
             <a:r>
-              <a:t>Architecture &amp; Workflow</a:t>
+              <a:t>How ExoLexis Works</a:t>
             </a:r>
           </a:p>
         </p:txBody>
@@ -3355,7 +3437,7 @@
         <p:spPr>
           <a:xfrm>
             <a:off x="457200" y="1371600"/>
-            <a:ext cx="8229600" cy="4572000"/>
+            <a:ext cx="8229600" cy="4114800"/>
           </a:xfrm>
           <a:prstGeom prst="rect">
             <a:avLst/>
@@ -3369,31 +3451,55 @@
           <a:lstStyle/>
           <a:p/>
           <a:p>
-            <a:pPr algn="l">
-              <a:defRPr sz="1800">
-                <a:solidFill>
-                  <a:srgbClr val="FFFFFF"/>
-                </a:solidFill>
-              </a:defRPr>
+            <a:pPr>
+              <a:defRPr sz="1800"/>
             </a:pPr>
             <a:r>
-              <a:t>1. Scraper collects abstracts from repositories (PMC).</a:t>
+              <a:t>1. Scrape publications from public repositories.</a:t>
             </a:r>
             <a:br/>
             <a:r>
-              <a:t>2. Correction pages detected and linked to originals.</a:t>
+              <a:t>2. Extract abstracts and detect corrections.</a:t>
             </a:r>
             <a:br/>
             <a:r>
-              <a:t>3. AI classifies abstracts, suggests categories/tags.</a:t>
+              <a:t>3. Use LLaMA AI to categorize and tag research.</a:t>
             </a:r>
             <a:br/>
             <a:r>
-              <a:t>4. MongoDB stores publications and metadata.</a:t>
+              <a:t>4. Store results in MongoDB for fast querying.</a:t>
             </a:r>
             <a:br/>
             <a:r>
-              <a:t>5. Angular frontend allows search, filtering, and browsing.</a:t>
+              <a:t>5. Display in an interactive frontend with search &amp; filter.</a:t>
+            </a:r>
+          </a:p>
+        </p:txBody>
+      </p:sp>
+      <p:sp>
+        <p:nvSpPr>
+          <p:cNvPr id="4" name="TextBox 3"/>
+          <p:cNvSpPr txBox="1"/>
+          <p:nvPr/>
+        </p:nvSpPr>
+        <p:spPr>
+          <a:xfrm>
+            <a:off x="2743200" y="5303520"/>
+            <a:ext cx="3657600" cy="1828800"/>
+          </a:xfrm>
+          <a:prstGeom prst="rect">
+            <a:avLst/>
+          </a:prstGeom>
+          <a:noFill/>
+        </p:spPr>
+        <p:txBody>
+          <a:bodyPr wrap="none">
+            <a:spAutoFit/>
+          </a:bodyPr>
+          <a:lstStyle/>
+          <a:p>
+            <a:r>
+              <a:t>[Workflow Diagram placeholder]</a:t>
             </a:r>
           </a:p>
         </p:txBody>
@@ -3432,7 +3538,7 @@
           <a:lstStyle/>
           <a:p>
             <a:r>
-              <a:t>Features of ExoLexis</a:t>
+              <a:t>Key Features</a:t>
             </a:r>
           </a:p>
         </p:txBody>
@@ -3446,7 +3552,7 @@
         <p:spPr>
           <a:xfrm>
             <a:off x="457200" y="1371600"/>
-            <a:ext cx="8229600" cy="4572000"/>
+            <a:ext cx="8229600" cy="4114800"/>
           </a:xfrm>
           <a:prstGeom prst="rect">
             <a:avLst/>
@@ -3460,31 +3566,55 @@
           <a:lstStyle/>
           <a:p/>
           <a:p>
-            <a:pPr algn="l">
-              <a:defRPr sz="1800">
-                <a:solidFill>
-                  <a:srgbClr val="FFFFFF"/>
-                </a:solidFill>
-              </a:defRPr>
+            <a:pPr>
+              <a:defRPr sz="1800"/>
             </a:pPr>
             <a:r>
-              <a:t>• Multi-category AI classification with human-evaluation fallback.</a:t>
+              <a:t>• Abstract extraction &amp; correction handling.</a:t>
             </a:r>
             <a:br/>
             <a:r>
-              <a:t>• Tagging system (mouse studies, space biology, corrections).</a:t>
+              <a:t>• Multi-category AI classification.</a:t>
             </a:r>
             <a:br/>
             <a:r>
-              <a:t>• Search &amp; filter by title, abstract, tags, or categories.</a:t>
+              <a:t>• Tagging for mouse studies, space biology, corrections, etc.</a:t>
             </a:r>
             <a:br/>
             <a:r>
-              <a:t>• Modern, responsive web interface.</a:t>
+              <a:t>• Interactive search and filter in the frontend.</a:t>
             </a:r>
             <a:br/>
             <a:r>
-              <a:t>• Handles corrections and links them to original papers.</a:t>
+              <a:t>• Upsert to prevent duplicate entries in database.</a:t>
+            </a:r>
+          </a:p>
+        </p:txBody>
+      </p:sp>
+      <p:sp>
+        <p:nvSpPr>
+          <p:cNvPr id="4" name="TextBox 3"/>
+          <p:cNvSpPr txBox="1"/>
+          <p:nvPr/>
+        </p:nvSpPr>
+        <p:spPr>
+          <a:xfrm>
+            <a:off x="2743200" y="5303520"/>
+            <a:ext cx="3657600" cy="1828800"/>
+          </a:xfrm>
+          <a:prstGeom prst="rect">
+            <a:avLst/>
+          </a:prstGeom>
+          <a:noFill/>
+        </p:spPr>
+        <p:txBody>
+          <a:bodyPr wrap="none">
+            <a:spAutoFit/>
+          </a:bodyPr>
+          <a:lstStyle/>
+          <a:p>
+            <a:r>
+              <a:t>[UI Screenshot placeholder]</a:t>
             </a:r>
           </a:p>
         </p:txBody>
@@ -3523,7 +3653,7 @@
           <a:lstStyle/>
           <a:p>
             <a:r>
-              <a:t>Tools &amp; Technologies</a:t>
+              <a:t>Technology Stack</a:t>
             </a:r>
           </a:p>
         </p:txBody>
@@ -3537,7 +3667,7 @@
         <p:spPr>
           <a:xfrm>
             <a:off x="457200" y="1371600"/>
-            <a:ext cx="8229600" cy="4572000"/>
+            <a:ext cx="8229600" cy="4114800"/>
           </a:xfrm>
           <a:prstGeom prst="rect">
             <a:avLst/>
@@ -3551,27 +3681,51 @@
           <a:lstStyle/>
           <a:p/>
           <a:p>
-            <a:pPr algn="l">
-              <a:defRPr sz="1800">
-                <a:solidFill>
-                  <a:srgbClr val="FFFFFF"/>
-                </a:solidFill>
-              </a:defRPr>
+            <a:pPr>
+              <a:defRPr sz="1800"/>
             </a:pPr>
             <a:r>
-              <a:t>• Backend/Data: Python, MongoDB, Web Scraping</a:t>
+              <a:t>• Backend: Python (scraper &amp; AI classification), MongoDB</a:t>
             </a:r>
             <a:br/>
             <a:r>
-              <a:t>• AI: Llama 3.2 / GPT-OSS locally</a:t>
+              <a:t>• AI: LLaMA 3.2 / Ollama local model</a:t>
             </a:r>
             <a:br/>
             <a:r>
-              <a:t>• Frontend: Angular 20, TypeScript, SCSS</a:t>
+              <a:t>• Frontend: Angular 20, TypeScript, HTTP client</a:t>
             </a:r>
             <a:br/>
             <a:r>
-              <a:t>• Utilities: Logging, REST API</a:t>
+              <a:t>• Tools: BeautifulSoup, Requests, Signals, Observables</a:t>
+            </a:r>
+          </a:p>
+        </p:txBody>
+      </p:sp>
+      <p:sp>
+        <p:nvSpPr>
+          <p:cNvPr id="4" name="TextBox 3"/>
+          <p:cNvSpPr txBox="1"/>
+          <p:nvPr/>
+        </p:nvSpPr>
+        <p:spPr>
+          <a:xfrm>
+            <a:off x="2743200" y="5303520"/>
+            <a:ext cx="3657600" cy="1828800"/>
+          </a:xfrm>
+          <a:prstGeom prst="rect">
+            <a:avLst/>
+          </a:prstGeom>
+          <a:noFill/>
+        </p:spPr>
+        <p:txBody>
+          <a:bodyPr wrap="none">
+            <a:spAutoFit/>
+          </a:bodyPr>
+          <a:lstStyle/>
+          <a:p>
+            <a:r>
+              <a:t>[Tech Stack Logos placeholder]</a:t>
             </a:r>
           </a:p>
         </p:txBody>
@@ -3624,7 +3778,7 @@
         <p:spPr>
           <a:xfrm>
             <a:off x="457200" y="1371600"/>
-            <a:ext cx="8229600" cy="4572000"/>
+            <a:ext cx="8229600" cy="4114800"/>
           </a:xfrm>
           <a:prstGeom prst="rect">
             <a:avLst/>
@@ -3638,35 +3792,47 @@
           <a:lstStyle/>
           <a:p/>
           <a:p>
-            <a:pPr algn="l">
-              <a:defRPr sz="1800">
-                <a:solidFill>
-                  <a:srgbClr val="FFFFFF"/>
-                </a:solidFill>
-              </a:defRPr>
+            <a:pPr>
+              <a:defRPr sz="1800"/>
             </a:pPr>
             <a:r>
-              <a:t>• Accelerates discovery of insights from space biology publications.</a:t>
+              <a:t>• Enables faster research insights for scientists and mission planners.</a:t>
             </a:r>
             <a:br/>
             <a:r>
-              <a:t>• Next Steps:</a:t>
+              <a:t>• Reduces manual work in space biology and mission research.</a:t>
             </a:r>
             <a:br/>
             <a:r>
-              <a:t>  - Expand AI classification.</a:t>
-            </a:r>
-            <a:br/>
-            <a:r>
-              <a:t>  - Add collaborative annotation.</a:t>
-            </a:r>
-            <a:br/>
-            <a:r>
-              <a:t>  - Improve search UX with clickable tags.</a:t>
-            </a:r>
-            <a:br/>
-            <a:r>
-              <a:t>• Encourages adoption by scientists and mission planners.</a:t>
+              <a:t>• Future: integration with more repositories, improved AI classification, collaborative annotation.</a:t>
+            </a:r>
+          </a:p>
+        </p:txBody>
+      </p:sp>
+      <p:sp>
+        <p:nvSpPr>
+          <p:cNvPr id="4" name="TextBox 3"/>
+          <p:cNvSpPr txBox="1"/>
+          <p:nvPr/>
+        </p:nvSpPr>
+        <p:spPr>
+          <a:xfrm>
+            <a:off x="2743200" y="5303520"/>
+            <a:ext cx="3657600" cy="1828800"/>
+          </a:xfrm>
+          <a:prstGeom prst="rect">
+            <a:avLst/>
+          </a:prstGeom>
+          <a:noFill/>
+        </p:spPr>
+        <p:txBody>
+          <a:bodyPr wrap="none">
+            <a:spAutoFit/>
+          </a:bodyPr>
+          <a:lstStyle/>
+          <a:p>
+            <a:r>
+              <a:t>[Visionary Image placeholder]</a:t>
             </a:r>
           </a:p>
         </p:txBody>
